--- a/조건부확률 임용고시 2003.pptx
+++ b/조건부확률 임용고시 2003.pptx
@@ -160,10 +160,9 @@
           </a:lstStyle>
           <a:p>
             <a:r>
-              <a:rPr lang="en-US" smtClean="0"/>
+              <a:rPr lang="en-US"/>
               <a:t>Click to edit Master title style</a:t>
             </a:r>
-            <a:endParaRPr lang="en-US"/>
           </a:p>
         </p:txBody>
       </p:sp>
@@ -225,10 +224,9 @@
           </a:lstStyle>
           <a:p>
             <a:r>
-              <a:rPr lang="en-US" smtClean="0"/>
+              <a:rPr lang="en-US"/>
               <a:t>Click to edit Master subtitle style</a:t>
             </a:r>
-            <a:endParaRPr lang="en-US"/>
           </a:p>
         </p:txBody>
       </p:sp>
@@ -249,7 +247,7 @@
           <a:p>
             <a:fld id="{5B3AD1D6-AE87-C841-B3FD-7C9F7FCAE5AE}" type="datetimeFigureOut">
               <a:rPr lang="en-US" smtClean="0"/>
-              <a:t>12/15/19</a:t>
+              <a:t>12/20/19</a:t>
             </a:fld>
             <a:endParaRPr lang="en-US"/>
           </a:p>
@@ -343,10 +341,9 @@
           <a:lstStyle/>
           <a:p>
             <a:r>
-              <a:rPr lang="en-US" smtClean="0"/>
+              <a:rPr lang="en-US"/>
               <a:t>Click to edit Master title style</a:t>
             </a:r>
-            <a:endParaRPr lang="en-US"/>
           </a:p>
         </p:txBody>
       </p:sp>
@@ -367,38 +364,37 @@
           <a:p>
             <a:pPr lvl="0"/>
             <a:r>
-              <a:rPr lang="en-US" smtClean="0"/>
+              <a:rPr lang="en-US"/>
               <a:t>Click to edit Master text styles</a:t>
             </a:r>
           </a:p>
           <a:p>
             <a:pPr lvl="1"/>
             <a:r>
-              <a:rPr lang="en-US" smtClean="0"/>
+              <a:rPr lang="en-US"/>
               <a:t>Second level</a:t>
             </a:r>
           </a:p>
           <a:p>
             <a:pPr lvl="2"/>
             <a:r>
-              <a:rPr lang="en-US" smtClean="0"/>
+              <a:rPr lang="en-US"/>
               <a:t>Third level</a:t>
             </a:r>
           </a:p>
           <a:p>
             <a:pPr lvl="3"/>
             <a:r>
-              <a:rPr lang="en-US" smtClean="0"/>
+              <a:rPr lang="en-US"/>
               <a:t>Fourth level</a:t>
             </a:r>
           </a:p>
           <a:p>
             <a:pPr lvl="4"/>
             <a:r>
-              <a:rPr lang="en-US" smtClean="0"/>
+              <a:rPr lang="en-US"/>
               <a:t>Fifth level</a:t>
             </a:r>
-            <a:endParaRPr lang="en-US"/>
           </a:p>
         </p:txBody>
       </p:sp>
@@ -419,7 +415,7 @@
           <a:p>
             <a:fld id="{5B3AD1D6-AE87-C841-B3FD-7C9F7FCAE5AE}" type="datetimeFigureOut">
               <a:rPr lang="en-US" smtClean="0"/>
-              <a:t>12/15/19</a:t>
+              <a:t>12/20/19</a:t>
             </a:fld>
             <a:endParaRPr lang="en-US"/>
           </a:p>
@@ -518,10 +514,9 @@
           <a:lstStyle/>
           <a:p>
             <a:r>
-              <a:rPr lang="en-US" smtClean="0"/>
+              <a:rPr lang="en-US"/>
               <a:t>Click to edit Master title style</a:t>
             </a:r>
-            <a:endParaRPr lang="en-US"/>
           </a:p>
         </p:txBody>
       </p:sp>
@@ -547,38 +542,37 @@
           <a:p>
             <a:pPr lvl="0"/>
             <a:r>
-              <a:rPr lang="en-US" smtClean="0"/>
+              <a:rPr lang="en-US"/>
               <a:t>Click to edit Master text styles</a:t>
             </a:r>
           </a:p>
           <a:p>
             <a:pPr lvl="1"/>
             <a:r>
-              <a:rPr lang="en-US" smtClean="0"/>
+              <a:rPr lang="en-US"/>
               <a:t>Second level</a:t>
             </a:r>
           </a:p>
           <a:p>
             <a:pPr lvl="2"/>
             <a:r>
-              <a:rPr lang="en-US" smtClean="0"/>
+              <a:rPr lang="en-US"/>
               <a:t>Third level</a:t>
             </a:r>
           </a:p>
           <a:p>
             <a:pPr lvl="3"/>
             <a:r>
-              <a:rPr lang="en-US" smtClean="0"/>
+              <a:rPr lang="en-US"/>
               <a:t>Fourth level</a:t>
             </a:r>
           </a:p>
           <a:p>
             <a:pPr lvl="4"/>
             <a:r>
-              <a:rPr lang="en-US" smtClean="0"/>
+              <a:rPr lang="en-US"/>
               <a:t>Fifth level</a:t>
             </a:r>
-            <a:endParaRPr lang="en-US"/>
           </a:p>
         </p:txBody>
       </p:sp>
@@ -599,7 +593,7 @@
           <a:p>
             <a:fld id="{5B3AD1D6-AE87-C841-B3FD-7C9F7FCAE5AE}" type="datetimeFigureOut">
               <a:rPr lang="en-US" smtClean="0"/>
-              <a:t>12/15/19</a:t>
+              <a:t>12/20/19</a:t>
             </a:fld>
             <a:endParaRPr lang="en-US"/>
           </a:p>
@@ -693,10 +687,9 @@
           <a:lstStyle/>
           <a:p>
             <a:r>
-              <a:rPr lang="en-US" smtClean="0"/>
+              <a:rPr lang="en-US"/>
               <a:t>Click to edit Master title style</a:t>
             </a:r>
-            <a:endParaRPr lang="en-US"/>
           </a:p>
         </p:txBody>
       </p:sp>
@@ -717,38 +710,37 @@
           <a:p>
             <a:pPr lvl="0"/>
             <a:r>
-              <a:rPr lang="en-US" smtClean="0"/>
+              <a:rPr lang="en-US"/>
               <a:t>Click to edit Master text styles</a:t>
             </a:r>
           </a:p>
           <a:p>
             <a:pPr lvl="1"/>
             <a:r>
-              <a:rPr lang="en-US" smtClean="0"/>
+              <a:rPr lang="en-US"/>
               <a:t>Second level</a:t>
             </a:r>
           </a:p>
           <a:p>
             <a:pPr lvl="2"/>
             <a:r>
-              <a:rPr lang="en-US" smtClean="0"/>
+              <a:rPr lang="en-US"/>
               <a:t>Third level</a:t>
             </a:r>
           </a:p>
           <a:p>
             <a:pPr lvl="3"/>
             <a:r>
-              <a:rPr lang="en-US" smtClean="0"/>
+              <a:rPr lang="en-US"/>
               <a:t>Fourth level</a:t>
             </a:r>
           </a:p>
           <a:p>
             <a:pPr lvl="4"/>
             <a:r>
-              <a:rPr lang="en-US" smtClean="0"/>
+              <a:rPr lang="en-US"/>
               <a:t>Fifth level</a:t>
             </a:r>
-            <a:endParaRPr lang="en-US"/>
           </a:p>
         </p:txBody>
       </p:sp>
@@ -769,7 +761,7 @@
           <a:p>
             <a:fld id="{5B3AD1D6-AE87-C841-B3FD-7C9F7FCAE5AE}" type="datetimeFigureOut">
               <a:rPr lang="en-US" smtClean="0"/>
-              <a:t>12/15/19</a:t>
+              <a:t>12/20/19</a:t>
             </a:fld>
             <a:endParaRPr lang="en-US"/>
           </a:p>
@@ -872,10 +864,9 @@
           </a:lstStyle>
           <a:p>
             <a:r>
-              <a:rPr lang="en-US" smtClean="0"/>
+              <a:rPr lang="en-US"/>
               <a:t>Click to edit Master title style</a:t>
             </a:r>
-            <a:endParaRPr lang="en-US"/>
           </a:p>
         </p:txBody>
       </p:sp>
@@ -992,7 +983,7 @@
           <a:p>
             <a:pPr lvl="0"/>
             <a:r>
-              <a:rPr lang="en-US" smtClean="0"/>
+              <a:rPr lang="en-US"/>
               <a:t>Click to edit Master text styles</a:t>
             </a:r>
           </a:p>
@@ -1015,7 +1006,7 @@
           <a:p>
             <a:fld id="{5B3AD1D6-AE87-C841-B3FD-7C9F7FCAE5AE}" type="datetimeFigureOut">
               <a:rPr lang="en-US" smtClean="0"/>
-              <a:t>12/15/19</a:t>
+              <a:t>12/20/19</a:t>
             </a:fld>
             <a:endParaRPr lang="en-US"/>
           </a:p>
@@ -1109,10 +1100,9 @@
           <a:lstStyle/>
           <a:p>
             <a:r>
-              <a:rPr lang="en-US" smtClean="0"/>
+              <a:rPr lang="en-US"/>
               <a:t>Click to edit Master title style</a:t>
             </a:r>
-            <a:endParaRPr lang="en-US"/>
           </a:p>
         </p:txBody>
       </p:sp>
@@ -1138,38 +1128,37 @@
           <a:p>
             <a:pPr lvl="0"/>
             <a:r>
-              <a:rPr lang="en-US" smtClean="0"/>
+              <a:rPr lang="en-US"/>
               <a:t>Click to edit Master text styles</a:t>
             </a:r>
           </a:p>
           <a:p>
             <a:pPr lvl="1"/>
             <a:r>
-              <a:rPr lang="en-US" smtClean="0"/>
+              <a:rPr lang="en-US"/>
               <a:t>Second level</a:t>
             </a:r>
           </a:p>
           <a:p>
             <a:pPr lvl="2"/>
             <a:r>
-              <a:rPr lang="en-US" smtClean="0"/>
+              <a:rPr lang="en-US"/>
               <a:t>Third level</a:t>
             </a:r>
           </a:p>
           <a:p>
             <a:pPr lvl="3"/>
             <a:r>
-              <a:rPr lang="en-US" smtClean="0"/>
+              <a:rPr lang="en-US"/>
               <a:t>Fourth level</a:t>
             </a:r>
           </a:p>
           <a:p>
             <a:pPr lvl="4"/>
             <a:r>
-              <a:rPr lang="en-US" smtClean="0"/>
+              <a:rPr lang="en-US"/>
               <a:t>Fifth level</a:t>
             </a:r>
-            <a:endParaRPr lang="en-US"/>
           </a:p>
         </p:txBody>
       </p:sp>
@@ -1195,38 +1184,37 @@
           <a:p>
             <a:pPr lvl="0"/>
             <a:r>
-              <a:rPr lang="en-US" smtClean="0"/>
+              <a:rPr lang="en-US"/>
               <a:t>Click to edit Master text styles</a:t>
             </a:r>
           </a:p>
           <a:p>
             <a:pPr lvl="1"/>
             <a:r>
-              <a:rPr lang="en-US" smtClean="0"/>
+              <a:rPr lang="en-US"/>
               <a:t>Second level</a:t>
             </a:r>
           </a:p>
           <a:p>
             <a:pPr lvl="2"/>
             <a:r>
-              <a:rPr lang="en-US" smtClean="0"/>
+              <a:rPr lang="en-US"/>
               <a:t>Third level</a:t>
             </a:r>
           </a:p>
           <a:p>
             <a:pPr lvl="3"/>
             <a:r>
-              <a:rPr lang="en-US" smtClean="0"/>
+              <a:rPr lang="en-US"/>
               <a:t>Fourth level</a:t>
             </a:r>
           </a:p>
           <a:p>
             <a:pPr lvl="4"/>
             <a:r>
-              <a:rPr lang="en-US" smtClean="0"/>
+              <a:rPr lang="en-US"/>
               <a:t>Fifth level</a:t>
             </a:r>
-            <a:endParaRPr lang="en-US"/>
           </a:p>
         </p:txBody>
       </p:sp>
@@ -1247,7 +1235,7 @@
           <a:p>
             <a:fld id="{5B3AD1D6-AE87-C841-B3FD-7C9F7FCAE5AE}" type="datetimeFigureOut">
               <a:rPr lang="en-US" smtClean="0"/>
-              <a:t>12/15/19</a:t>
+              <a:t>12/20/19</a:t>
             </a:fld>
             <a:endParaRPr lang="en-US"/>
           </a:p>
@@ -1346,10 +1334,9 @@
           <a:lstStyle/>
           <a:p>
             <a:r>
-              <a:rPr lang="en-US" smtClean="0"/>
+              <a:rPr lang="en-US"/>
               <a:t>Click to edit Master title style</a:t>
             </a:r>
-            <a:endParaRPr lang="en-US"/>
           </a:p>
         </p:txBody>
       </p:sp>
@@ -1412,7 +1399,7 @@
           <a:p>
             <a:pPr lvl="0"/>
             <a:r>
-              <a:rPr lang="en-US" smtClean="0"/>
+              <a:rPr lang="en-US"/>
               <a:t>Click to edit Master text styles</a:t>
             </a:r>
           </a:p>
@@ -1440,38 +1427,37 @@
           <a:p>
             <a:pPr lvl="0"/>
             <a:r>
-              <a:rPr lang="en-US" smtClean="0"/>
+              <a:rPr lang="en-US"/>
               <a:t>Click to edit Master text styles</a:t>
             </a:r>
           </a:p>
           <a:p>
             <a:pPr lvl="1"/>
             <a:r>
-              <a:rPr lang="en-US" smtClean="0"/>
+              <a:rPr lang="en-US"/>
               <a:t>Second level</a:t>
             </a:r>
           </a:p>
           <a:p>
             <a:pPr lvl="2"/>
             <a:r>
-              <a:rPr lang="en-US" smtClean="0"/>
+              <a:rPr lang="en-US"/>
               <a:t>Third level</a:t>
             </a:r>
           </a:p>
           <a:p>
             <a:pPr lvl="3"/>
             <a:r>
-              <a:rPr lang="en-US" smtClean="0"/>
+              <a:rPr lang="en-US"/>
               <a:t>Fourth level</a:t>
             </a:r>
           </a:p>
           <a:p>
             <a:pPr lvl="4"/>
             <a:r>
-              <a:rPr lang="en-US" smtClean="0"/>
+              <a:rPr lang="en-US"/>
               <a:t>Fifth level</a:t>
             </a:r>
-            <a:endParaRPr lang="en-US"/>
           </a:p>
         </p:txBody>
       </p:sp>
@@ -1534,7 +1520,7 @@
           <a:p>
             <a:pPr lvl="0"/>
             <a:r>
-              <a:rPr lang="en-US" smtClean="0"/>
+              <a:rPr lang="en-US"/>
               <a:t>Click to edit Master text styles</a:t>
             </a:r>
           </a:p>
@@ -1562,38 +1548,37 @@
           <a:p>
             <a:pPr lvl="0"/>
             <a:r>
-              <a:rPr lang="en-US" smtClean="0"/>
+              <a:rPr lang="en-US"/>
               <a:t>Click to edit Master text styles</a:t>
             </a:r>
           </a:p>
           <a:p>
             <a:pPr lvl="1"/>
             <a:r>
-              <a:rPr lang="en-US" smtClean="0"/>
+              <a:rPr lang="en-US"/>
               <a:t>Second level</a:t>
             </a:r>
           </a:p>
           <a:p>
             <a:pPr lvl="2"/>
             <a:r>
-              <a:rPr lang="en-US" smtClean="0"/>
+              <a:rPr lang="en-US"/>
               <a:t>Third level</a:t>
             </a:r>
           </a:p>
           <a:p>
             <a:pPr lvl="3"/>
             <a:r>
-              <a:rPr lang="en-US" smtClean="0"/>
+              <a:rPr lang="en-US"/>
               <a:t>Fourth level</a:t>
             </a:r>
           </a:p>
           <a:p>
             <a:pPr lvl="4"/>
             <a:r>
-              <a:rPr lang="en-US" smtClean="0"/>
+              <a:rPr lang="en-US"/>
               <a:t>Fifth level</a:t>
             </a:r>
-            <a:endParaRPr lang="en-US"/>
           </a:p>
         </p:txBody>
       </p:sp>
@@ -1614,7 +1599,7 @@
           <a:p>
             <a:fld id="{5B3AD1D6-AE87-C841-B3FD-7C9F7FCAE5AE}" type="datetimeFigureOut">
               <a:rPr lang="en-US" smtClean="0"/>
-              <a:t>12/15/19</a:t>
+              <a:t>12/20/19</a:t>
             </a:fld>
             <a:endParaRPr lang="en-US"/>
           </a:p>
@@ -1708,10 +1693,9 @@
           <a:lstStyle/>
           <a:p>
             <a:r>
-              <a:rPr lang="en-US" smtClean="0"/>
+              <a:rPr lang="en-US"/>
               <a:t>Click to edit Master title style</a:t>
             </a:r>
-            <a:endParaRPr lang="en-US"/>
           </a:p>
         </p:txBody>
       </p:sp>
@@ -1732,7 +1716,7 @@
           <a:p>
             <a:fld id="{5B3AD1D6-AE87-C841-B3FD-7C9F7FCAE5AE}" type="datetimeFigureOut">
               <a:rPr lang="en-US" smtClean="0"/>
-              <a:t>12/15/19</a:t>
+              <a:t>12/20/19</a:t>
             </a:fld>
             <a:endParaRPr lang="en-US"/>
           </a:p>
@@ -1827,7 +1811,7 @@
           <a:p>
             <a:fld id="{5B3AD1D6-AE87-C841-B3FD-7C9F7FCAE5AE}" type="datetimeFigureOut">
               <a:rPr lang="en-US" smtClean="0"/>
-              <a:t>12/15/19</a:t>
+              <a:t>12/20/19</a:t>
             </a:fld>
             <a:endParaRPr lang="en-US"/>
           </a:p>
@@ -1930,10 +1914,9 @@
           </a:lstStyle>
           <a:p>
             <a:r>
-              <a:rPr lang="en-US" smtClean="0"/>
+              <a:rPr lang="en-US"/>
               <a:t>Click to edit Master title style</a:t>
             </a:r>
-            <a:endParaRPr lang="en-US"/>
           </a:p>
         </p:txBody>
       </p:sp>
@@ -1987,38 +1970,37 @@
           <a:p>
             <a:pPr lvl="0"/>
             <a:r>
-              <a:rPr lang="en-US" smtClean="0"/>
+              <a:rPr lang="en-US"/>
               <a:t>Click to edit Master text styles</a:t>
             </a:r>
           </a:p>
           <a:p>
             <a:pPr lvl="1"/>
             <a:r>
-              <a:rPr lang="en-US" smtClean="0"/>
+              <a:rPr lang="en-US"/>
               <a:t>Second level</a:t>
             </a:r>
           </a:p>
           <a:p>
             <a:pPr lvl="2"/>
             <a:r>
-              <a:rPr lang="en-US" smtClean="0"/>
+              <a:rPr lang="en-US"/>
               <a:t>Third level</a:t>
             </a:r>
           </a:p>
           <a:p>
             <a:pPr lvl="3"/>
             <a:r>
-              <a:rPr lang="en-US" smtClean="0"/>
+              <a:rPr lang="en-US"/>
               <a:t>Fourth level</a:t>
             </a:r>
           </a:p>
           <a:p>
             <a:pPr lvl="4"/>
             <a:r>
-              <a:rPr lang="en-US" smtClean="0"/>
+              <a:rPr lang="en-US"/>
               <a:t>Fifth level</a:t>
             </a:r>
-            <a:endParaRPr lang="en-US"/>
           </a:p>
         </p:txBody>
       </p:sp>
@@ -2081,7 +2063,7 @@
           <a:p>
             <a:pPr lvl="0"/>
             <a:r>
-              <a:rPr lang="en-US" smtClean="0"/>
+              <a:rPr lang="en-US"/>
               <a:t>Click to edit Master text styles</a:t>
             </a:r>
           </a:p>
@@ -2104,7 +2086,7 @@
           <a:p>
             <a:fld id="{5B3AD1D6-AE87-C841-B3FD-7C9F7FCAE5AE}" type="datetimeFigureOut">
               <a:rPr lang="en-US" smtClean="0"/>
-              <a:t>12/15/19</a:t>
+              <a:t>12/20/19</a:t>
             </a:fld>
             <a:endParaRPr lang="en-US"/>
           </a:p>
@@ -2207,10 +2189,9 @@
           </a:lstStyle>
           <a:p>
             <a:r>
-              <a:rPr lang="en-US" smtClean="0"/>
+              <a:rPr lang="en-US"/>
               <a:t>Click to edit Master title style</a:t>
             </a:r>
-            <a:endParaRPr lang="en-US"/>
           </a:p>
         </p:txBody>
       </p:sp>
@@ -2334,7 +2315,7 @@
           <a:p>
             <a:pPr lvl="0"/>
             <a:r>
-              <a:rPr lang="en-US" smtClean="0"/>
+              <a:rPr lang="en-US"/>
               <a:t>Click to edit Master text styles</a:t>
             </a:r>
           </a:p>
@@ -2357,7 +2338,7 @@
           <a:p>
             <a:fld id="{5B3AD1D6-AE87-C841-B3FD-7C9F7FCAE5AE}" type="datetimeFigureOut">
               <a:rPr lang="en-US" smtClean="0"/>
-              <a:t>12/15/19</a:t>
+              <a:t>12/20/19</a:t>
             </a:fld>
             <a:endParaRPr lang="en-US"/>
           </a:p>
@@ -2466,10 +2447,9 @@
           <a:lstStyle/>
           <a:p>
             <a:r>
-              <a:rPr lang="en-US" smtClean="0"/>
+              <a:rPr lang="en-US"/>
               <a:t>Click to edit Master title style</a:t>
             </a:r>
-            <a:endParaRPr lang="en-US"/>
           </a:p>
         </p:txBody>
       </p:sp>
@@ -2500,38 +2480,37 @@
           <a:p>
             <a:pPr lvl="0"/>
             <a:r>
-              <a:rPr lang="en-US" smtClean="0"/>
+              <a:rPr lang="en-US"/>
               <a:t>Click to edit Master text styles</a:t>
             </a:r>
           </a:p>
           <a:p>
             <a:pPr lvl="1"/>
             <a:r>
-              <a:rPr lang="en-US" smtClean="0"/>
+              <a:rPr lang="en-US"/>
               <a:t>Second level</a:t>
             </a:r>
           </a:p>
           <a:p>
             <a:pPr lvl="2"/>
             <a:r>
-              <a:rPr lang="en-US" smtClean="0"/>
+              <a:rPr lang="en-US"/>
               <a:t>Third level</a:t>
             </a:r>
           </a:p>
           <a:p>
             <a:pPr lvl="3"/>
             <a:r>
-              <a:rPr lang="en-US" smtClean="0"/>
+              <a:rPr lang="en-US"/>
               <a:t>Fourth level</a:t>
             </a:r>
           </a:p>
           <a:p>
             <a:pPr lvl="4"/>
             <a:r>
-              <a:rPr lang="en-US" smtClean="0"/>
+              <a:rPr lang="en-US"/>
               <a:t>Fifth level</a:t>
             </a:r>
-            <a:endParaRPr lang="en-US"/>
           </a:p>
         </p:txBody>
       </p:sp>
@@ -2570,7 +2549,7 @@
           <a:p>
             <a:fld id="{5B3AD1D6-AE87-C841-B3FD-7C9F7FCAE5AE}" type="datetimeFigureOut">
               <a:rPr lang="en-US" smtClean="0"/>
-              <a:t>12/15/19</a:t>
+              <a:t>12/20/19</a:t>
             </a:fld>
             <a:endParaRPr lang="en-US"/>
           </a:p>
@@ -2997,29 +2976,6 @@
           </a:bodyPr>
           <a:lstStyle/>
           <a:p>
-            <a:r>
-              <a:rPr lang="en-US" sz="4000" dirty="0" smtClean="0">
-                <a:latin typeface="Arial Black" charset="0"/>
-                <a:ea typeface="Arial Black" charset="0"/>
-                <a:cs typeface="Arial Black" charset="0"/>
-              </a:rPr>
-              <a:t/>
-            </a:r>
-            <a:br>
-              <a:rPr lang="en-US" sz="4000" dirty="0" smtClean="0">
-                <a:latin typeface="Arial Black" charset="0"/>
-                <a:ea typeface="Arial Black" charset="0"/>
-                <a:cs typeface="Arial Black" charset="0"/>
-              </a:rPr>
-            </a:br>
-            <a:r>
-              <a:rPr lang="en-US" sz="4000" dirty="0">
-                <a:latin typeface="Arial Black" charset="0"/>
-                <a:ea typeface="Arial Black" charset="0"/>
-                <a:cs typeface="Arial Black" charset="0"/>
-              </a:rPr>
-              <a:t/>
-            </a:r>
             <a:br>
               <a:rPr lang="en-US" sz="4000" dirty="0">
                 <a:latin typeface="Arial Black" charset="0"/>
@@ -3027,29 +2983,6 @@
                 <a:cs typeface="Arial Black" charset="0"/>
               </a:rPr>
             </a:br>
-            <a:r>
-              <a:rPr lang="en-US" sz="4000" dirty="0" smtClean="0">
-                <a:latin typeface="Arial Black" charset="0"/>
-                <a:ea typeface="Arial Black" charset="0"/>
-                <a:cs typeface="Arial Black" charset="0"/>
-              </a:rPr>
-              <a:t/>
-            </a:r>
-            <a:br>
-              <a:rPr lang="en-US" sz="4000" dirty="0" smtClean="0">
-                <a:latin typeface="Arial Black" charset="0"/>
-                <a:ea typeface="Arial Black" charset="0"/>
-                <a:cs typeface="Arial Black" charset="0"/>
-              </a:rPr>
-            </a:br>
-            <a:r>
-              <a:rPr lang="en-US" sz="4000" dirty="0">
-                <a:latin typeface="Arial Black" charset="0"/>
-                <a:ea typeface="Arial Black" charset="0"/>
-                <a:cs typeface="Arial Black" charset="0"/>
-              </a:rPr>
-              <a:t/>
-            </a:r>
             <a:br>
               <a:rPr lang="en-US" sz="4000" dirty="0">
                 <a:latin typeface="Arial Black" charset="0"/>
@@ -3057,29 +2990,6 @@
                 <a:cs typeface="Arial Black" charset="0"/>
               </a:rPr>
             </a:br>
-            <a:r>
-              <a:rPr lang="en-US" sz="4000" dirty="0" smtClean="0">
-                <a:latin typeface="Arial Black" charset="0"/>
-                <a:ea typeface="Arial Black" charset="0"/>
-                <a:cs typeface="Arial Black" charset="0"/>
-              </a:rPr>
-              <a:t/>
-            </a:r>
-            <a:br>
-              <a:rPr lang="en-US" sz="4000" dirty="0" smtClean="0">
-                <a:latin typeface="Arial Black" charset="0"/>
-                <a:ea typeface="Arial Black" charset="0"/>
-                <a:cs typeface="Arial Black" charset="0"/>
-              </a:rPr>
-            </a:br>
-            <a:r>
-              <a:rPr lang="en-US" sz="4000" dirty="0">
-                <a:latin typeface="Arial Black" charset="0"/>
-                <a:ea typeface="Arial Black" charset="0"/>
-                <a:cs typeface="Arial Black" charset="0"/>
-              </a:rPr>
-              <a:t/>
-            </a:r>
             <a:br>
               <a:rPr lang="en-US" sz="4000" dirty="0">
                 <a:latin typeface="Arial Black" charset="0"/>
@@ -3087,29 +2997,6 @@
                 <a:cs typeface="Arial Black" charset="0"/>
               </a:rPr>
             </a:br>
-            <a:r>
-              <a:rPr lang="en-US" sz="4000" dirty="0" smtClean="0">
-                <a:latin typeface="Arial Black" charset="0"/>
-                <a:ea typeface="Arial Black" charset="0"/>
-                <a:cs typeface="Arial Black" charset="0"/>
-              </a:rPr>
-              <a:t/>
-            </a:r>
-            <a:br>
-              <a:rPr lang="en-US" sz="4000" dirty="0" smtClean="0">
-                <a:latin typeface="Arial Black" charset="0"/>
-                <a:ea typeface="Arial Black" charset="0"/>
-                <a:cs typeface="Arial Black" charset="0"/>
-              </a:rPr>
-            </a:br>
-            <a:r>
-              <a:rPr lang="en-US" sz="4000" dirty="0">
-                <a:latin typeface="Arial Black" charset="0"/>
-                <a:ea typeface="Arial Black" charset="0"/>
-                <a:cs typeface="Arial Black" charset="0"/>
-              </a:rPr>
-              <a:t/>
-            </a:r>
             <a:br>
               <a:rPr lang="en-US" sz="4000" dirty="0">
                 <a:latin typeface="Arial Black" charset="0"/>
@@ -3117,29 +3004,6 @@
                 <a:cs typeface="Arial Black" charset="0"/>
               </a:rPr>
             </a:br>
-            <a:r>
-              <a:rPr lang="en-US" sz="4000" dirty="0" smtClean="0">
-                <a:latin typeface="Arial Black" charset="0"/>
-                <a:ea typeface="Arial Black" charset="0"/>
-                <a:cs typeface="Arial Black" charset="0"/>
-              </a:rPr>
-              <a:t/>
-            </a:r>
-            <a:br>
-              <a:rPr lang="en-US" sz="4000" dirty="0" smtClean="0">
-                <a:latin typeface="Arial Black" charset="0"/>
-                <a:ea typeface="Arial Black" charset="0"/>
-                <a:cs typeface="Arial Black" charset="0"/>
-              </a:rPr>
-            </a:br>
-            <a:r>
-              <a:rPr lang="en-US" sz="4000" dirty="0">
-                <a:latin typeface="Arial Black" charset="0"/>
-                <a:ea typeface="Arial Black" charset="0"/>
-                <a:cs typeface="Arial Black" charset="0"/>
-              </a:rPr>
-              <a:t/>
-            </a:r>
             <a:br>
               <a:rPr lang="en-US" sz="4000" dirty="0">
                 <a:latin typeface="Arial Black" charset="0"/>
@@ -3147,23 +3011,50 @@
                 <a:cs typeface="Arial Black" charset="0"/>
               </a:rPr>
             </a:br>
-            <a:r>
-              <a:rPr lang="en-US" sz="4000" dirty="0" smtClean="0">
-                <a:latin typeface="Arial Black" charset="0"/>
-                <a:ea typeface="Arial Black" charset="0"/>
-                <a:cs typeface="Arial Black" charset="0"/>
-              </a:rPr>
-              <a:t/>
-            </a:r>
             <a:br>
-              <a:rPr lang="en-US" sz="4000" dirty="0" smtClean="0">
+              <a:rPr lang="en-US" sz="4000" dirty="0">
                 <a:latin typeface="Arial Black" charset="0"/>
                 <a:ea typeface="Arial Black" charset="0"/>
                 <a:cs typeface="Arial Black" charset="0"/>
               </a:rPr>
             </a:br>
-            <a:r>
-              <a:rPr lang="en-US" sz="6700" dirty="0" smtClean="0">
+            <a:br>
+              <a:rPr lang="en-US" sz="4000" dirty="0">
+                <a:latin typeface="Arial Black" charset="0"/>
+                <a:ea typeface="Arial Black" charset="0"/>
+                <a:cs typeface="Arial Black" charset="0"/>
+              </a:rPr>
+            </a:br>
+            <a:br>
+              <a:rPr lang="en-US" sz="4000" dirty="0">
+                <a:latin typeface="Arial Black" charset="0"/>
+                <a:ea typeface="Arial Black" charset="0"/>
+                <a:cs typeface="Arial Black" charset="0"/>
+              </a:rPr>
+            </a:br>
+            <a:br>
+              <a:rPr lang="en-US" sz="4000" dirty="0">
+                <a:latin typeface="Arial Black" charset="0"/>
+                <a:ea typeface="Arial Black" charset="0"/>
+                <a:cs typeface="Arial Black" charset="0"/>
+              </a:rPr>
+            </a:br>
+            <a:br>
+              <a:rPr lang="en-US" sz="4000" dirty="0">
+                <a:latin typeface="Arial Black" charset="0"/>
+                <a:ea typeface="Arial Black" charset="0"/>
+                <a:cs typeface="Arial Black" charset="0"/>
+              </a:rPr>
+            </a:br>
+            <a:br>
+              <a:rPr lang="en-US" sz="4000" dirty="0">
+                <a:latin typeface="Arial Black" charset="0"/>
+                <a:ea typeface="Arial Black" charset="0"/>
+                <a:cs typeface="Arial Black" charset="0"/>
+              </a:rPr>
+            </a:br>
+            <a:r>
+              <a:rPr lang="en-US" sz="6700" dirty="0">
                 <a:latin typeface="Arial Black" charset="0"/>
                 <a:ea typeface="Arial Black" charset="0"/>
                 <a:cs typeface="Arial Black" charset="0"/>
@@ -3171,14 +3062,14 @@
               <a:t>Problems</a:t>
             </a:r>
             <a:br>
-              <a:rPr lang="en-US" sz="6700" dirty="0" smtClean="0">
+              <a:rPr lang="en-US" sz="6700" dirty="0">
                 <a:latin typeface="Arial Black" charset="0"/>
                 <a:ea typeface="Arial Black" charset="0"/>
                 <a:cs typeface="Arial Black" charset="0"/>
               </a:rPr>
             </a:br>
             <a:r>
-              <a:rPr lang="en-US" sz="6700" dirty="0" smtClean="0">
+              <a:rPr lang="en-US" sz="6700" dirty="0">
                 <a:latin typeface="Arial Black" charset="0"/>
                 <a:ea typeface="Arial Black" charset="0"/>
                 <a:cs typeface="Arial Black" charset="0"/>
@@ -3186,14 +3077,14 @@
               <a:t>on</a:t>
             </a:r>
             <a:br>
-              <a:rPr lang="en-US" sz="6700" dirty="0" smtClean="0">
+              <a:rPr lang="en-US" sz="6700" dirty="0">
                 <a:latin typeface="Arial Black" charset="0"/>
                 <a:ea typeface="Arial Black" charset="0"/>
                 <a:cs typeface="Arial Black" charset="0"/>
               </a:rPr>
             </a:br>
             <a:r>
-              <a:rPr lang="en-US" sz="6700" dirty="0" smtClean="0">
+              <a:rPr lang="en-US" sz="6700" dirty="0">
                 <a:latin typeface="Arial Black" charset="0"/>
                 <a:ea typeface="Arial Black" charset="0"/>
                 <a:cs typeface="Arial Black" charset="0"/>
@@ -3201,22 +3092,22 @@
               <a:t>Conditional Probability</a:t>
             </a:r>
             <a:br>
-              <a:rPr lang="en-US" sz="6700" dirty="0" smtClean="0">
+              <a:rPr lang="en-US" sz="6700" dirty="0">
                 <a:latin typeface="Arial Black" charset="0"/>
                 <a:ea typeface="Arial Black" charset="0"/>
                 <a:cs typeface="Arial Black" charset="0"/>
               </a:rPr>
             </a:br>
             <a:r>
-              <a:rPr lang="en-US" sz="6700" dirty="0" smtClean="0">
+              <a:rPr lang="en-US" altLang="ko-KR" sz="6700" dirty="0">
                 <a:latin typeface="Arial Black" charset="0"/>
                 <a:ea typeface="Arial Black" charset="0"/>
                 <a:cs typeface="Arial Black" charset="0"/>
               </a:rPr>
-              <a:t/>
+              <a:t>2003</a:t>
             </a:r>
             <a:br>
-              <a:rPr lang="en-US" sz="6700" dirty="0" smtClean="0">
+              <a:rPr lang="en-US" sz="6700" dirty="0">
                 <a:latin typeface="Arial Black" charset="0"/>
                 <a:ea typeface="Arial Black" charset="0"/>
                 <a:cs typeface="Arial Black" charset="0"/>
@@ -3304,18 +3195,13 @@
           <a:lstStyle/>
           <a:p>
             <a:r>
-              <a:rPr lang="en-US" sz="4000" dirty="0" smtClean="0">
+              <a:rPr lang="en-US" sz="4000" dirty="0">
                 <a:latin typeface="Arial Black" charset="0"/>
                 <a:ea typeface="Arial Black" charset="0"/>
                 <a:cs typeface="Arial Black" charset="0"/>
               </a:rPr>
               <a:t>Reference</a:t>
             </a:r>
-            <a:endParaRPr lang="en-US" sz="4000" dirty="0">
-              <a:latin typeface="Arial Black" charset="0"/>
-              <a:ea typeface="Arial Black" charset="0"/>
-              <a:cs typeface="Arial Black" charset="0"/>
-            </a:endParaRPr>
           </a:p>
         </p:txBody>
       </p:sp>
@@ -3334,7 +3220,7 @@
           <a:bodyPr/>
           <a:lstStyle/>
           <a:p>
-            <a:endParaRPr lang="en-US" sz="2000" dirty="0" smtClean="0">
+            <a:endParaRPr lang="en-US" sz="2000" dirty="0">
               <a:latin typeface="Arial Black" charset="0"/>
               <a:ea typeface="Arial Black" charset="0"/>
               <a:cs typeface="Arial Black" charset="0"/>
@@ -3343,7 +3229,7 @@
           </a:p>
           <a:p>
             <a:r>
-              <a:rPr lang="en-US" sz="2000" dirty="0" smtClean="0">
+              <a:rPr lang="en-US" sz="2000" dirty="0">
                 <a:latin typeface="Arial Black" charset="0"/>
                 <a:ea typeface="Arial Black" charset="0"/>
                 <a:cs typeface="Arial Black" charset="0"/>
@@ -3351,14 +3237,14 @@
               </a:rPr>
               <a:t>Data</a:t>
             </a:r>
-            <a:endParaRPr lang="en-US" sz="2000" dirty="0" smtClean="0">
+            <a:endParaRPr lang="en-US" sz="2000" dirty="0">
               <a:latin typeface="Arial Black" charset="0"/>
               <a:ea typeface="Arial Black" charset="0"/>
               <a:cs typeface="Arial Black" charset="0"/>
             </a:endParaRPr>
           </a:p>
           <a:p>
-            <a:endParaRPr lang="en-US" sz="2000" dirty="0" smtClean="0">
+            <a:endParaRPr lang="en-US" sz="2000" dirty="0">
               <a:latin typeface="Arial Black" charset="0"/>
               <a:ea typeface="Arial Black" charset="0"/>
               <a:cs typeface="Arial Black" charset="0"/>
@@ -3366,7 +3252,7 @@
           </a:p>
           <a:p>
             <a:r>
-              <a:rPr lang="en-US" sz="2000" dirty="0" smtClean="0">
+              <a:rPr lang="en-US" sz="2000" dirty="0">
                 <a:latin typeface="Arial Black" charset="0"/>
                 <a:ea typeface="Arial Black" charset="0"/>
                 <a:cs typeface="Arial Black" charset="0"/>
@@ -3374,14 +3260,14 @@
               </a:rPr>
               <a:t>Youtube</a:t>
             </a:r>
-            <a:endParaRPr lang="en-US" sz="2000" dirty="0" smtClean="0">
+            <a:endParaRPr lang="en-US" sz="2000" dirty="0">
               <a:latin typeface="Arial Black" charset="0"/>
               <a:ea typeface="Arial Black" charset="0"/>
               <a:cs typeface="Arial Black" charset="0"/>
             </a:endParaRPr>
           </a:p>
           <a:p>
-            <a:endParaRPr lang="en-US" dirty="0" smtClean="0">
+            <a:endParaRPr lang="en-US" dirty="0">
               <a:latin typeface="Arial Black" charset="0"/>
               <a:ea typeface="Arial Black" charset="0"/>
               <a:cs typeface="Arial Black" charset="0"/>
@@ -3389,7 +3275,7 @@
           </a:p>
           <a:p>
             <a:r>
-              <a:rPr lang="en-US" sz="2000" dirty="0" smtClean="0">
+              <a:rPr lang="en-US" sz="2000" dirty="0">
                 <a:latin typeface="Arial Black" charset="0"/>
                 <a:ea typeface="Arial Black" charset="0"/>
                 <a:cs typeface="Arial Black" charset="0"/>
@@ -3397,7 +3283,7 @@
               </a:rPr>
               <a:t>Code</a:t>
             </a:r>
-            <a:endParaRPr lang="en-US" sz="2000" dirty="0" smtClean="0">
+            <a:endParaRPr lang="en-US" sz="2000" dirty="0">
               <a:latin typeface="Arial Black" charset="0"/>
               <a:ea typeface="Arial Black" charset="0"/>
               <a:cs typeface="Arial Black" charset="0"/>
@@ -3416,13 +3302,6 @@
   <p:clrMapOvr>
     <a:masterClrMapping/>
   </p:clrMapOvr>
-  <p:timing>
-    <p:tnLst>
-      <p:par>
-        <p:cTn id="1" dur="indefinite" restart="never" nodeType="tmRoot"/>
-      </p:par>
-    </p:tnLst>
-  </p:timing>
 </p:sld>
 </file>
 
@@ -3466,26 +3345,13 @@
           <a:lstStyle/>
           <a:p>
             <a:r>
-              <a:rPr lang="en-US" sz="4000" dirty="0" smtClean="0">
+              <a:rPr lang="en-US" sz="4000" dirty="0">
                 <a:latin typeface="Arial Black" charset="0"/>
                 <a:ea typeface="Arial Black" charset="0"/>
                 <a:cs typeface="Arial Black" charset="0"/>
               </a:rPr>
-              <a:t>[</a:t>
-            </a:r>
-            <a:r>
-              <a:rPr lang="en-US" sz="4000" dirty="0" smtClean="0">
-                <a:latin typeface="Arial Black" charset="0"/>
-                <a:ea typeface="Arial Black" charset="0"/>
-                <a:cs typeface="Arial Black" charset="0"/>
-              </a:rPr>
-              <a:t>2003]</a:t>
-            </a:r>
-            <a:endParaRPr lang="en-US" sz="4000" dirty="0">
-              <a:latin typeface="Arial Black" charset="0"/>
-              <a:ea typeface="Arial Black" charset="0"/>
-              <a:cs typeface="Arial Black" charset="0"/>
-            </a:endParaRPr>
+              <a:t>[2003]</a:t>
+            </a:r>
           </a:p>
         </p:txBody>
       </p:sp>
